--- a/Презентация1.pptx
+++ b/Презентация1.pptx
@@ -6,14 +6,17 @@
   </p:sldMasterIdLst>
   <p:sldIdLst>
     <p:sldId id="256" r:id="rId2"/>
-    <p:sldId id="257" r:id="rId3"/>
-    <p:sldId id="259" r:id="rId4"/>
-    <p:sldId id="260" r:id="rId5"/>
-    <p:sldId id="261" r:id="rId6"/>
-    <p:sldId id="262" r:id="rId7"/>
-    <p:sldId id="263" r:id="rId8"/>
-    <p:sldId id="265" r:id="rId9"/>
-    <p:sldId id="264" r:id="rId10"/>
+    <p:sldId id="267" r:id="rId3"/>
+    <p:sldId id="257" r:id="rId4"/>
+    <p:sldId id="259" r:id="rId5"/>
+    <p:sldId id="260" r:id="rId6"/>
+    <p:sldId id="261" r:id="rId7"/>
+    <p:sldId id="268" r:id="rId8"/>
+    <p:sldId id="262" r:id="rId9"/>
+    <p:sldId id="263" r:id="rId10"/>
+    <p:sldId id="265" r:id="rId11"/>
+    <p:sldId id="266" r:id="rId12"/>
+    <p:sldId id="264" r:id="rId13"/>
   </p:sldIdLst>
   <p:sldSz cx="12192000" cy="6858000"/>
   <p:notesSz cx="6858000" cy="9144000"/>
@@ -249,7 +252,7 @@
           <a:p>
             <a:fld id="{DE1AB8EB-158C-466B-96B9-7F89D12A9BFB}" type="datetimeFigureOut">
               <a:rPr lang="ru-RU" smtClean="0"/>
-              <a:t>23.04.2024</a:t>
+              <a:t>26.04.2024</a:t>
             </a:fld>
             <a:endParaRPr lang="ru-RU"/>
           </a:p>
@@ -417,7 +420,7 @@
           <a:p>
             <a:fld id="{DE1AB8EB-158C-466B-96B9-7F89D12A9BFB}" type="datetimeFigureOut">
               <a:rPr lang="ru-RU" smtClean="0"/>
-              <a:t>23.04.2024</a:t>
+              <a:t>26.04.2024</a:t>
             </a:fld>
             <a:endParaRPr lang="ru-RU"/>
           </a:p>
@@ -595,7 +598,7 @@
           <a:p>
             <a:fld id="{DE1AB8EB-158C-466B-96B9-7F89D12A9BFB}" type="datetimeFigureOut">
               <a:rPr lang="ru-RU" smtClean="0"/>
-              <a:t>23.04.2024</a:t>
+              <a:t>26.04.2024</a:t>
             </a:fld>
             <a:endParaRPr lang="ru-RU"/>
           </a:p>
@@ -763,7 +766,7 @@
           <a:p>
             <a:fld id="{DE1AB8EB-158C-466B-96B9-7F89D12A9BFB}" type="datetimeFigureOut">
               <a:rPr lang="ru-RU" smtClean="0"/>
-              <a:t>23.04.2024</a:t>
+              <a:t>26.04.2024</a:t>
             </a:fld>
             <a:endParaRPr lang="ru-RU"/>
           </a:p>
@@ -1008,7 +1011,7 @@
           <a:p>
             <a:fld id="{DE1AB8EB-158C-466B-96B9-7F89D12A9BFB}" type="datetimeFigureOut">
               <a:rPr lang="ru-RU" smtClean="0"/>
-              <a:t>23.04.2024</a:t>
+              <a:t>26.04.2024</a:t>
             </a:fld>
             <a:endParaRPr lang="ru-RU"/>
           </a:p>
@@ -1237,7 +1240,7 @@
           <a:p>
             <a:fld id="{DE1AB8EB-158C-466B-96B9-7F89D12A9BFB}" type="datetimeFigureOut">
               <a:rPr lang="ru-RU" smtClean="0"/>
-              <a:t>23.04.2024</a:t>
+              <a:t>26.04.2024</a:t>
             </a:fld>
             <a:endParaRPr lang="ru-RU"/>
           </a:p>
@@ -1601,7 +1604,7 @@
           <a:p>
             <a:fld id="{DE1AB8EB-158C-466B-96B9-7F89D12A9BFB}" type="datetimeFigureOut">
               <a:rPr lang="ru-RU" smtClean="0"/>
-              <a:t>23.04.2024</a:t>
+              <a:t>26.04.2024</a:t>
             </a:fld>
             <a:endParaRPr lang="ru-RU"/>
           </a:p>
@@ -1718,7 +1721,7 @@
           <a:p>
             <a:fld id="{DE1AB8EB-158C-466B-96B9-7F89D12A9BFB}" type="datetimeFigureOut">
               <a:rPr lang="ru-RU" smtClean="0"/>
-              <a:t>23.04.2024</a:t>
+              <a:t>26.04.2024</a:t>
             </a:fld>
             <a:endParaRPr lang="ru-RU"/>
           </a:p>
@@ -1813,7 +1816,7 @@
           <a:p>
             <a:fld id="{DE1AB8EB-158C-466B-96B9-7F89D12A9BFB}" type="datetimeFigureOut">
               <a:rPr lang="ru-RU" smtClean="0"/>
-              <a:t>23.04.2024</a:t>
+              <a:t>26.04.2024</a:t>
             </a:fld>
             <a:endParaRPr lang="ru-RU"/>
           </a:p>
@@ -2088,7 +2091,7 @@
           <a:p>
             <a:fld id="{DE1AB8EB-158C-466B-96B9-7F89D12A9BFB}" type="datetimeFigureOut">
               <a:rPr lang="ru-RU" smtClean="0"/>
-              <a:t>23.04.2024</a:t>
+              <a:t>26.04.2024</a:t>
             </a:fld>
             <a:endParaRPr lang="ru-RU"/>
           </a:p>
@@ -2340,7 +2343,7 @@
           <a:p>
             <a:fld id="{DE1AB8EB-158C-466B-96B9-7F89D12A9BFB}" type="datetimeFigureOut">
               <a:rPr lang="ru-RU" smtClean="0"/>
-              <a:t>23.04.2024</a:t>
+              <a:t>26.04.2024</a:t>
             </a:fld>
             <a:endParaRPr lang="ru-RU"/>
           </a:p>
@@ -2551,7 +2554,7 @@
           <a:p>
             <a:fld id="{DE1AB8EB-158C-466B-96B9-7F89D12A9BFB}" type="datetimeFigureOut">
               <a:rPr lang="ru-RU" smtClean="0"/>
-              <a:t>23.04.2024</a:t>
+              <a:t>26.04.2024</a:t>
             </a:fld>
             <a:endParaRPr lang="ru-RU"/>
           </a:p>
@@ -2958,6 +2961,309 @@
       </p:grpSpPr>
       <p:pic>
         <p:nvPicPr>
+          <p:cNvPr id="7" name="Рисунок 6">
+            <a:extLst>
+              <a:ext uri="{FF2B5EF4-FFF2-40B4-BE49-F238E27FC236}">
+                <a16:creationId xmlns:a16="http://schemas.microsoft.com/office/drawing/2014/main" id="{D68C23CC-25EB-9AB3-6D08-91AEA4423BBA}"/>
+              </a:ext>
+            </a:extLst>
+          </p:cNvPr>
+          <p:cNvPicPr>
+            <a:picLocks noChangeAspect="1"/>
+          </p:cNvPicPr>
+          <p:nvPr/>
+        </p:nvPicPr>
+        <p:blipFill>
+          <a:blip r:embed="rId2">
+            <a:extLst>
+              <a:ext uri="{28A0092B-C50C-407E-A947-70E740481C1C}">
+                <a14:useLocalDpi xmlns:a14="http://schemas.microsoft.com/office/drawing/2010/main" val="0"/>
+              </a:ext>
+            </a:extLst>
+          </a:blip>
+          <a:stretch>
+            <a:fillRect/>
+          </a:stretch>
+        </p:blipFill>
+        <p:spPr>
+          <a:xfrm>
+            <a:off x="0" y="-1"/>
+            <a:ext cx="12192000" cy="6858001"/>
+          </a:xfrm>
+          <a:prstGeom prst="rect">
+            <a:avLst/>
+          </a:prstGeom>
+        </p:spPr>
+      </p:pic>
+      <p:sp>
+        <p:nvSpPr>
+          <p:cNvPr id="6" name="Прямоугольник 5"/>
+          <p:cNvSpPr/>
+          <p:nvPr/>
+        </p:nvSpPr>
+        <p:spPr>
+          <a:xfrm>
+            <a:off x="3776679" y="2055222"/>
+            <a:ext cx="4638642" cy="923330"/>
+          </a:xfrm>
+          <a:prstGeom prst="rect">
+            <a:avLst/>
+          </a:prstGeom>
+          <a:noFill/>
+        </p:spPr>
+        <p:txBody>
+          <a:bodyPr wrap="none" lIns="91440" tIns="45720" rIns="91440" bIns="45720">
+            <a:spAutoFit/>
+          </a:bodyPr>
+          <a:lstStyle/>
+          <a:p>
+            <a:pPr algn="ctr"/>
+            <a:r>
+              <a:rPr lang="en-US" sz="5400" b="0" cap="none" spc="0" dirty="0">
+                <a:ln w="0"/>
+                <a:solidFill>
+                  <a:schemeClr val="tx1"/>
+                </a:solidFill>
+                <a:effectLst>
+                  <a:outerShdw blurRad="38100" dist="19050" dir="2700000" algn="tl" rotWithShape="0">
+                    <a:schemeClr val="dk1">
+                      <a:alpha val="40000"/>
+                    </a:schemeClr>
+                  </a:outerShdw>
+                </a:effectLst>
+              </a:rPr>
+              <a:t>Airplane Routes</a:t>
+            </a:r>
+            <a:endParaRPr lang="ru-RU" sz="5400" b="0" cap="none" spc="0" dirty="0">
+              <a:ln w="0"/>
+              <a:solidFill>
+                <a:schemeClr val="tx1"/>
+              </a:solidFill>
+              <a:effectLst>
+                <a:outerShdw blurRad="38100" dist="19050" dir="2700000" algn="tl" rotWithShape="0">
+                  <a:schemeClr val="dk1">
+                    <a:alpha val="40000"/>
+                  </a:schemeClr>
+                </a:outerShdw>
+              </a:effectLst>
+            </a:endParaRPr>
+          </a:p>
+        </p:txBody>
+      </p:sp>
+      <p:sp>
+        <p:nvSpPr>
+          <p:cNvPr id="9" name="TextBox 8">
+            <a:extLst>
+              <a:ext uri="{FF2B5EF4-FFF2-40B4-BE49-F238E27FC236}">
+                <a16:creationId xmlns:a16="http://schemas.microsoft.com/office/drawing/2014/main" id="{8B872149-2CEF-13A3-2233-493AA05503DC}"/>
+              </a:ext>
+            </a:extLst>
+          </p:cNvPr>
+          <p:cNvSpPr txBox="1"/>
+          <p:nvPr/>
+        </p:nvSpPr>
+        <p:spPr>
+          <a:xfrm>
+            <a:off x="2135777" y="3274271"/>
+            <a:ext cx="7920446" cy="993926"/>
+          </a:xfrm>
+          <a:prstGeom prst="rect">
+            <a:avLst/>
+          </a:prstGeom>
+          <a:noFill/>
+        </p:spPr>
+        <p:txBody>
+          <a:bodyPr wrap="square">
+            <a:spAutoFit/>
+          </a:bodyPr>
+          <a:lstStyle/>
+          <a:p>
+            <a:pPr algn="ctr">
+              <a:lnSpc>
+                <a:spcPct val="107000"/>
+              </a:lnSpc>
+              <a:spcAft>
+                <a:spcPts val="800"/>
+              </a:spcAft>
+            </a:pPr>
+            <a:r>
+              <a:rPr lang="ru-RU" sz="2800" dirty="0">
+                <a:latin typeface="Calibri" panose="020F0502020204030204" pitchFamily="34" charset="0"/>
+                <a:ea typeface="Calibri" panose="020F0502020204030204" pitchFamily="34" charset="0"/>
+                <a:cs typeface="Times New Roman" panose="02020603050405020304" pitchFamily="18" charset="0"/>
+              </a:rPr>
+              <a:t>И</a:t>
+            </a:r>
+            <a:r>
+              <a:rPr lang="ru-RU" sz="2800" dirty="0">
+                <a:effectLst/>
+                <a:latin typeface="Calibri" panose="020F0502020204030204" pitchFamily="34" charset="0"/>
+                <a:ea typeface="Calibri" panose="020F0502020204030204" pitchFamily="34" charset="0"/>
+                <a:cs typeface="Times New Roman" panose="02020603050405020304" pitchFamily="18" charset="0"/>
+              </a:rPr>
+              <a:t>гр</a:t>
+            </a:r>
+            <a:r>
+              <a:rPr lang="ru-RU" sz="2800" dirty="0">
+                <a:latin typeface="Calibri" panose="020F0502020204030204" pitchFamily="34" charset="0"/>
+                <a:ea typeface="Calibri" panose="020F0502020204030204" pitchFamily="34" charset="0"/>
+                <a:cs typeface="Times New Roman" panose="02020603050405020304" pitchFamily="18" charset="0"/>
+              </a:rPr>
+              <a:t>а</a:t>
+            </a:r>
+            <a:r>
+              <a:rPr lang="ru-RU" sz="2800" dirty="0">
+                <a:effectLst/>
+                <a:latin typeface="Calibri" panose="020F0502020204030204" pitchFamily="34" charset="0"/>
+                <a:ea typeface="Calibri" panose="020F0502020204030204" pitchFamily="34" charset="0"/>
+                <a:cs typeface="Times New Roman" panose="02020603050405020304" pitchFamily="18" charset="0"/>
+              </a:rPr>
+              <a:t> в жанре транспортной стратегии про строительство своей авиационной сети.</a:t>
+            </a:r>
+          </a:p>
+        </p:txBody>
+      </p:sp>
+      <p:sp>
+        <p:nvSpPr>
+          <p:cNvPr id="10" name="Прямоугольник 9">
+            <a:extLst>
+              <a:ext uri="{FF2B5EF4-FFF2-40B4-BE49-F238E27FC236}">
+                <a16:creationId xmlns:a16="http://schemas.microsoft.com/office/drawing/2014/main" id="{A1CB76D4-7F40-C6AA-CA55-F2DC847E13CE}"/>
+              </a:ext>
+            </a:extLst>
+          </p:cNvPr>
+          <p:cNvSpPr/>
+          <p:nvPr/>
+        </p:nvSpPr>
+        <p:spPr>
+          <a:xfrm>
+            <a:off x="1578289" y="6324727"/>
+            <a:ext cx="4633000" cy="369332"/>
+          </a:xfrm>
+          <a:prstGeom prst="rect">
+            <a:avLst/>
+          </a:prstGeom>
+          <a:noFill/>
+        </p:spPr>
+        <p:txBody>
+          <a:bodyPr wrap="none" lIns="91440" tIns="45720" rIns="91440" bIns="45720">
+            <a:spAutoFit/>
+          </a:bodyPr>
+          <a:lstStyle/>
+          <a:p>
+            <a:pPr algn="ctr"/>
+            <a:r>
+              <a:rPr lang="ru-RU" b="0" cap="none" spc="0" dirty="0">
+                <a:ln w="0"/>
+                <a:solidFill>
+                  <a:schemeClr val="tx1"/>
+                </a:solidFill>
+                <a:effectLst>
+                  <a:outerShdw blurRad="38100" dist="19050" dir="2700000" algn="tl" rotWithShape="0">
+                    <a:schemeClr val="dk1">
+                      <a:alpha val="40000"/>
+                    </a:schemeClr>
+                  </a:outerShdw>
+                </a:effectLst>
+              </a:rPr>
+              <a:t>Выполнили: Остроухов Иван, </a:t>
+            </a:r>
+            <a:r>
+              <a:rPr lang="ru-RU" b="0" cap="none" spc="0" dirty="0" err="1">
+                <a:ln w="0"/>
+                <a:solidFill>
+                  <a:schemeClr val="tx1"/>
+                </a:solidFill>
+                <a:effectLst>
+                  <a:outerShdw blurRad="38100" dist="19050" dir="2700000" algn="tl" rotWithShape="0">
+                    <a:schemeClr val="dk1">
+                      <a:alpha val="40000"/>
+                    </a:schemeClr>
+                  </a:outerShdw>
+                </a:effectLst>
+              </a:rPr>
+              <a:t>Янчугов</a:t>
+            </a:r>
+            <a:r>
+              <a:rPr lang="ru-RU" b="0" cap="none" spc="0" dirty="0">
+                <a:ln w="0"/>
+                <a:solidFill>
+                  <a:schemeClr val="tx1"/>
+                </a:solidFill>
+                <a:effectLst>
+                  <a:outerShdw blurRad="38100" dist="19050" dir="2700000" algn="tl" rotWithShape="0">
+                    <a:schemeClr val="dk1">
+                      <a:alpha val="40000"/>
+                    </a:schemeClr>
+                  </a:outerShdw>
+                </a:effectLst>
+              </a:rPr>
+              <a:t> </a:t>
+            </a:r>
+            <a:r>
+              <a:rPr lang="ru-RU" dirty="0">
+                <a:ln w="0"/>
+                <a:effectLst>
+                  <a:outerShdw blurRad="38100" dist="19050" dir="2700000" algn="tl" rotWithShape="0">
+                    <a:schemeClr val="dk1">
+                      <a:alpha val="40000"/>
+                    </a:schemeClr>
+                  </a:outerShdw>
+                </a:effectLst>
+              </a:rPr>
+              <a:t>С</a:t>
+            </a:r>
+            <a:r>
+              <a:rPr lang="ru-RU" b="0" cap="none" spc="0" dirty="0">
+                <a:ln w="0"/>
+                <a:solidFill>
+                  <a:schemeClr val="tx1"/>
+                </a:solidFill>
+                <a:effectLst>
+                  <a:outerShdw blurRad="38100" dist="19050" dir="2700000" algn="tl" rotWithShape="0">
+                    <a:schemeClr val="dk1">
+                      <a:alpha val="40000"/>
+                    </a:schemeClr>
+                  </a:outerShdw>
+                </a:effectLst>
+              </a:rPr>
+              <a:t>ергей.</a:t>
+            </a:r>
+          </a:p>
+        </p:txBody>
+      </p:sp>
+    </p:spTree>
+    <p:extLst>
+      <p:ext uri="{BB962C8B-B14F-4D97-AF65-F5344CB8AC3E}">
+        <p14:creationId xmlns:p14="http://schemas.microsoft.com/office/powerpoint/2010/main" val="2983050682"/>
+      </p:ext>
+    </p:extLst>
+  </p:cSld>
+  <p:clrMapOvr>
+    <a:masterClrMapping/>
+  </p:clrMapOvr>
+</p:sld>
+</file>
+
+<file path=ppt/slides/slide10.xml><?xml version="1.0" encoding="utf-8"?>
+<p:sld xmlns:a="http://schemas.openxmlformats.org/drawingml/2006/main" xmlns:r="http://schemas.openxmlformats.org/officeDocument/2006/relationships" xmlns:p="http://schemas.openxmlformats.org/presentationml/2006/main">
+  <p:cSld>
+    <p:spTree>
+      <p:nvGrpSpPr>
+        <p:cNvPr id="1" name=""/>
+        <p:cNvGrpSpPr/>
+        <p:nvPr/>
+      </p:nvGrpSpPr>
+      <p:grpSpPr>
+        <a:xfrm>
+          <a:off x="0" y="0"/>
+          <a:ext cx="0" cy="0"/>
+          <a:chOff x="0" y="0"/>
+          <a:chExt cx="0" cy="0"/>
+        </a:xfrm>
+      </p:grpSpPr>
+      <p:pic>
+        <p:nvPicPr>
           <p:cNvPr id="4" name="Рисунок 3"/>
           <p:cNvPicPr>
             <a:picLocks noChangeAspect="1"/>
@@ -2978,7 +3284,7 @@
         </p:blipFill>
         <p:spPr>
           <a:xfrm>
-            <a:off x="0" y="-1"/>
+            <a:off x="0" y="0"/>
             <a:ext cx="12192000" cy="6858001"/>
           </a:xfrm>
           <a:prstGeom prst="rect">
@@ -2988,7 +3294,13 @@
       </p:pic>
       <p:pic>
         <p:nvPicPr>
-          <p:cNvPr id="5" name="Рисунок 4"/>
+          <p:cNvPr id="16" name="Рисунок 15">
+            <a:extLst>
+              <a:ext uri="{FF2B5EF4-FFF2-40B4-BE49-F238E27FC236}">
+                <a16:creationId xmlns:a16="http://schemas.microsoft.com/office/drawing/2014/main" id="{9B26920D-C012-A08C-7B55-85754C44BA51}"/>
+              </a:ext>
+            </a:extLst>
+          </p:cNvPr>
           <p:cNvPicPr>
             <a:picLocks noChangeAspect="1"/>
           </p:cNvPicPr>
@@ -3008,8 +3320,749 @@
         </p:blipFill>
         <p:spPr>
           <a:xfrm>
-            <a:off x="1595844" y="1602375"/>
-            <a:ext cx="4915989" cy="4915989"/>
+            <a:off x="1026828" y="1540394"/>
+            <a:ext cx="11147755" cy="6270613"/>
+          </a:xfrm>
+          <a:prstGeom prst="rect">
+            <a:avLst/>
+          </a:prstGeom>
+        </p:spPr>
+      </p:pic>
+      <p:sp>
+        <p:nvSpPr>
+          <p:cNvPr id="6" name="Прямоугольник 5"/>
+          <p:cNvSpPr/>
+          <p:nvPr/>
+        </p:nvSpPr>
+        <p:spPr>
+          <a:xfrm>
+            <a:off x="790004" y="-1"/>
+            <a:ext cx="6857711" cy="923330"/>
+          </a:xfrm>
+          <a:prstGeom prst="rect">
+            <a:avLst/>
+          </a:prstGeom>
+          <a:noFill/>
+        </p:spPr>
+        <p:txBody>
+          <a:bodyPr wrap="none" lIns="91440" tIns="45720" rIns="91440" bIns="45720">
+            <a:spAutoFit/>
+          </a:bodyPr>
+          <a:lstStyle/>
+          <a:p>
+            <a:pPr algn="ctr"/>
+            <a:r>
+              <a:rPr lang="ru-RU" sz="5400" b="0" cap="none" spc="0" dirty="0">
+                <a:ln w="0"/>
+                <a:solidFill>
+                  <a:schemeClr val="tx1"/>
+                </a:solidFill>
+                <a:effectLst>
+                  <a:outerShdw blurRad="38100" dist="19050" dir="2700000" algn="tl" rotWithShape="0">
+                    <a:schemeClr val="dk1">
+                      <a:alpha val="40000"/>
+                    </a:schemeClr>
+                  </a:outerShdw>
+                </a:effectLst>
+              </a:rPr>
+              <a:t>Описание алгоритмов</a:t>
+            </a:r>
+          </a:p>
+        </p:txBody>
+      </p:sp>
+      <p:sp>
+        <p:nvSpPr>
+          <p:cNvPr id="3" name="Прямоугольник 2"/>
+          <p:cNvSpPr/>
+          <p:nvPr/>
+        </p:nvSpPr>
+        <p:spPr>
+          <a:xfrm>
+            <a:off x="3063970" y="1159281"/>
+            <a:ext cx="5419625" cy="707886"/>
+          </a:xfrm>
+          <a:prstGeom prst="rect">
+            <a:avLst/>
+          </a:prstGeom>
+          <a:noFill/>
+        </p:spPr>
+        <p:txBody>
+          <a:bodyPr wrap="none" lIns="91440" tIns="45720" rIns="91440" bIns="45720">
+            <a:spAutoFit/>
+          </a:bodyPr>
+          <a:lstStyle/>
+          <a:p>
+            <a:pPr algn="ctr"/>
+            <a:r>
+              <a:rPr lang="ru-RU" sz="4000" dirty="0">
+                <a:ln w="0"/>
+                <a:effectLst>
+                  <a:outerShdw blurRad="38100" dist="19050" dir="2700000" algn="tl" rotWithShape="0">
+                    <a:schemeClr val="dk1">
+                      <a:alpha val="40000"/>
+                    </a:schemeClr>
+                  </a:outerShdw>
+                </a:effectLst>
+              </a:rPr>
+              <a:t>Добавление маршрутов</a:t>
+            </a:r>
+            <a:endParaRPr lang="ru-RU" sz="4000" b="0" cap="none" spc="0" dirty="0">
+              <a:ln w="0"/>
+              <a:solidFill>
+                <a:schemeClr val="tx1"/>
+              </a:solidFill>
+              <a:effectLst>
+                <a:outerShdw blurRad="38100" dist="19050" dir="2700000" algn="tl" rotWithShape="0">
+                  <a:schemeClr val="dk1">
+                    <a:alpha val="40000"/>
+                  </a:schemeClr>
+                </a:outerShdw>
+              </a:effectLst>
+            </a:endParaRPr>
+          </a:p>
+        </p:txBody>
+      </p:sp>
+      <p:sp>
+        <p:nvSpPr>
+          <p:cNvPr id="9" name="Прямоугольник 8">
+            <a:extLst>
+              <a:ext uri="{FF2B5EF4-FFF2-40B4-BE49-F238E27FC236}">
+                <a16:creationId xmlns:a16="http://schemas.microsoft.com/office/drawing/2014/main" id="{FA48ADE1-941A-2B90-C283-70F96B0DC219}"/>
+              </a:ext>
+            </a:extLst>
+          </p:cNvPr>
+          <p:cNvSpPr/>
+          <p:nvPr/>
+        </p:nvSpPr>
+        <p:spPr>
+          <a:xfrm>
+            <a:off x="5384398" y="2159860"/>
+            <a:ext cx="2555315" cy="400110"/>
+          </a:xfrm>
+          <a:prstGeom prst="rect">
+            <a:avLst/>
+          </a:prstGeom>
+          <a:noFill/>
+        </p:spPr>
+        <p:txBody>
+          <a:bodyPr wrap="none" lIns="91440" tIns="45720" rIns="91440" bIns="45720">
+            <a:spAutoFit/>
+          </a:bodyPr>
+          <a:lstStyle/>
+          <a:p>
+            <a:pPr algn="ctr"/>
+            <a:r>
+              <a:rPr lang="ru-RU" sz="2000" dirty="0">
+                <a:ln w="0"/>
+                <a:effectLst>
+                  <a:outerShdw blurRad="38100" dist="19050" dir="2700000" algn="tl" rotWithShape="0">
+                    <a:schemeClr val="dk1">
+                      <a:alpha val="40000"/>
+                    </a:schemeClr>
+                  </a:outerShdw>
+                </a:effectLst>
+              </a:rPr>
+              <a:t>Игрок нажимает ЛКМ</a:t>
+            </a:r>
+            <a:endParaRPr lang="ru-RU" sz="2000" b="0" cap="none" spc="0" dirty="0">
+              <a:ln w="0"/>
+              <a:solidFill>
+                <a:schemeClr val="tx1"/>
+              </a:solidFill>
+              <a:effectLst>
+                <a:outerShdw blurRad="38100" dist="19050" dir="2700000" algn="tl" rotWithShape="0">
+                  <a:schemeClr val="dk1">
+                    <a:alpha val="40000"/>
+                  </a:schemeClr>
+                </a:outerShdw>
+              </a:effectLst>
+            </a:endParaRPr>
+          </a:p>
+        </p:txBody>
+      </p:sp>
+      <p:sp>
+        <p:nvSpPr>
+          <p:cNvPr id="10" name="Прямоугольник 9">
+            <a:extLst>
+              <a:ext uri="{FF2B5EF4-FFF2-40B4-BE49-F238E27FC236}">
+                <a16:creationId xmlns:a16="http://schemas.microsoft.com/office/drawing/2014/main" id="{660DEE99-AD2C-9104-E626-9C777CEE979B}"/>
+              </a:ext>
+            </a:extLst>
+          </p:cNvPr>
+          <p:cNvSpPr/>
+          <p:nvPr/>
+        </p:nvSpPr>
+        <p:spPr>
+          <a:xfrm>
+            <a:off x="2586444" y="3508533"/>
+            <a:ext cx="2011406" cy="707886"/>
+          </a:xfrm>
+          <a:prstGeom prst="rect">
+            <a:avLst/>
+          </a:prstGeom>
+          <a:noFill/>
+        </p:spPr>
+        <p:txBody>
+          <a:bodyPr wrap="square" lIns="91440" tIns="45720" rIns="91440" bIns="45720">
+            <a:spAutoFit/>
+          </a:bodyPr>
+          <a:lstStyle/>
+          <a:p>
+            <a:pPr algn="ctr"/>
+            <a:r>
+              <a:rPr lang="ru-RU" sz="2000" dirty="0">
+                <a:ln w="0"/>
+                <a:effectLst>
+                  <a:outerShdw blurRad="38100" dist="19050" dir="2700000" algn="tl" rotWithShape="0">
+                    <a:schemeClr val="dk1">
+                      <a:alpha val="40000"/>
+                    </a:schemeClr>
+                  </a:outerShdw>
+                </a:effectLst>
+              </a:rPr>
+              <a:t>Игрок нажал на точку</a:t>
+            </a:r>
+            <a:endParaRPr lang="ru-RU" sz="2000" b="0" cap="none" spc="0" dirty="0">
+              <a:ln w="0"/>
+              <a:solidFill>
+                <a:schemeClr val="tx1"/>
+              </a:solidFill>
+              <a:effectLst>
+                <a:outerShdw blurRad="38100" dist="19050" dir="2700000" algn="tl" rotWithShape="0">
+                  <a:schemeClr val="dk1">
+                    <a:alpha val="40000"/>
+                  </a:schemeClr>
+                </a:outerShdw>
+              </a:effectLst>
+            </a:endParaRPr>
+          </a:p>
+        </p:txBody>
+      </p:sp>
+      <p:sp>
+        <p:nvSpPr>
+          <p:cNvPr id="11" name="Прямоугольник 10">
+            <a:extLst>
+              <a:ext uri="{FF2B5EF4-FFF2-40B4-BE49-F238E27FC236}">
+                <a16:creationId xmlns:a16="http://schemas.microsoft.com/office/drawing/2014/main" id="{A331A7CD-A67C-9B93-924F-AE41A4B07B96}"/>
+              </a:ext>
+            </a:extLst>
+          </p:cNvPr>
+          <p:cNvSpPr/>
+          <p:nvPr/>
+        </p:nvSpPr>
+        <p:spPr>
+          <a:xfrm>
+            <a:off x="8483595" y="3429000"/>
+            <a:ext cx="2427046" cy="707886"/>
+          </a:xfrm>
+          <a:prstGeom prst="rect">
+            <a:avLst/>
+          </a:prstGeom>
+          <a:noFill/>
+        </p:spPr>
+        <p:txBody>
+          <a:bodyPr wrap="square" lIns="91440" tIns="45720" rIns="91440" bIns="45720">
+            <a:spAutoFit/>
+          </a:bodyPr>
+          <a:lstStyle/>
+          <a:p>
+            <a:pPr algn="ctr"/>
+            <a:r>
+              <a:rPr lang="ru-RU" sz="2000" dirty="0">
+                <a:ln w="0"/>
+                <a:effectLst>
+                  <a:outerShdw blurRad="38100" dist="19050" dir="2700000" algn="tl" rotWithShape="0">
+                    <a:schemeClr val="dk1">
+                      <a:alpha val="40000"/>
+                    </a:schemeClr>
+                  </a:outerShdw>
+                </a:effectLst>
+              </a:rPr>
+              <a:t>Игрок  не нажимает на точку</a:t>
+            </a:r>
+            <a:endParaRPr lang="ru-RU" sz="2000" b="0" cap="none" spc="0" dirty="0">
+              <a:ln w="0"/>
+              <a:solidFill>
+                <a:schemeClr val="tx1"/>
+              </a:solidFill>
+              <a:effectLst>
+                <a:outerShdw blurRad="38100" dist="19050" dir="2700000" algn="tl" rotWithShape="0">
+                  <a:schemeClr val="dk1">
+                    <a:alpha val="40000"/>
+                  </a:schemeClr>
+                </a:outerShdw>
+              </a:effectLst>
+            </a:endParaRPr>
+          </a:p>
+        </p:txBody>
+      </p:sp>
+      <p:sp>
+        <p:nvSpPr>
+          <p:cNvPr id="13" name="Прямоугольник 12">
+            <a:extLst>
+              <a:ext uri="{FF2B5EF4-FFF2-40B4-BE49-F238E27FC236}">
+                <a16:creationId xmlns:a16="http://schemas.microsoft.com/office/drawing/2014/main" id="{1C6ED095-4379-630D-EF6F-9957C461EEDD}"/>
+              </a:ext>
+            </a:extLst>
+          </p:cNvPr>
+          <p:cNvSpPr/>
+          <p:nvPr/>
+        </p:nvSpPr>
+        <p:spPr>
+          <a:xfrm>
+            <a:off x="2632214" y="4643751"/>
+            <a:ext cx="2011406" cy="707886"/>
+          </a:xfrm>
+          <a:prstGeom prst="rect">
+            <a:avLst/>
+          </a:prstGeom>
+          <a:noFill/>
+        </p:spPr>
+        <p:txBody>
+          <a:bodyPr wrap="square" lIns="91440" tIns="45720" rIns="91440" bIns="45720">
+            <a:spAutoFit/>
+          </a:bodyPr>
+          <a:lstStyle/>
+          <a:p>
+            <a:pPr algn="ctr"/>
+            <a:r>
+              <a:rPr lang="ru-RU" sz="2000" dirty="0">
+                <a:ln w="0"/>
+                <a:effectLst>
+                  <a:outerShdw blurRad="38100" dist="19050" dir="2700000" algn="tl" rotWithShape="0">
+                    <a:schemeClr val="dk1">
+                      <a:alpha val="40000"/>
+                    </a:schemeClr>
+                  </a:outerShdw>
+                </a:effectLst>
+              </a:rPr>
+              <a:t>Сохраняется координата</a:t>
+            </a:r>
+            <a:endParaRPr lang="ru-RU" sz="2000" b="0" cap="none" spc="0" dirty="0">
+              <a:ln w="0"/>
+              <a:solidFill>
+                <a:schemeClr val="tx1"/>
+              </a:solidFill>
+              <a:effectLst>
+                <a:outerShdw blurRad="38100" dist="19050" dir="2700000" algn="tl" rotWithShape="0">
+                  <a:schemeClr val="dk1">
+                    <a:alpha val="40000"/>
+                  </a:schemeClr>
+                </a:outerShdw>
+              </a:effectLst>
+            </a:endParaRPr>
+          </a:p>
+        </p:txBody>
+      </p:sp>
+      <p:sp>
+        <p:nvSpPr>
+          <p:cNvPr id="14" name="Прямоугольник 13">
+            <a:extLst>
+              <a:ext uri="{FF2B5EF4-FFF2-40B4-BE49-F238E27FC236}">
+                <a16:creationId xmlns:a16="http://schemas.microsoft.com/office/drawing/2014/main" id="{10CB93BB-2291-4C74-8C2A-668D269F4FFA}"/>
+              </a:ext>
+            </a:extLst>
+          </p:cNvPr>
+          <p:cNvSpPr/>
+          <p:nvPr/>
+        </p:nvSpPr>
+        <p:spPr>
+          <a:xfrm>
+            <a:off x="2360259" y="5676726"/>
+            <a:ext cx="2555315" cy="1015663"/>
+          </a:xfrm>
+          <a:prstGeom prst="rect">
+            <a:avLst/>
+          </a:prstGeom>
+          <a:noFill/>
+        </p:spPr>
+        <p:txBody>
+          <a:bodyPr wrap="square" lIns="91440" tIns="45720" rIns="91440" bIns="45720">
+            <a:spAutoFit/>
+          </a:bodyPr>
+          <a:lstStyle/>
+          <a:p>
+            <a:pPr algn="ctr"/>
+            <a:r>
+              <a:rPr lang="ru-RU" sz="2000" dirty="0">
+                <a:ln w="0"/>
+                <a:effectLst>
+                  <a:outerShdw blurRad="38100" dist="19050" dir="2700000" algn="tl" rotWithShape="0">
+                    <a:schemeClr val="dk1">
+                      <a:alpha val="40000"/>
+                    </a:schemeClr>
+                  </a:outerShdw>
+                </a:effectLst>
+              </a:rPr>
+              <a:t>Запоминается вторая координата и рисуется путь</a:t>
+            </a:r>
+            <a:endParaRPr lang="ru-RU" sz="2000" b="0" cap="none" spc="0" dirty="0">
+              <a:ln w="0"/>
+              <a:solidFill>
+                <a:schemeClr val="tx1"/>
+              </a:solidFill>
+              <a:effectLst>
+                <a:outerShdw blurRad="38100" dist="19050" dir="2700000" algn="tl" rotWithShape="0">
+                  <a:schemeClr val="dk1">
+                    <a:alpha val="40000"/>
+                  </a:schemeClr>
+                </a:outerShdw>
+              </a:effectLst>
+            </a:endParaRPr>
+          </a:p>
+        </p:txBody>
+      </p:sp>
+    </p:spTree>
+    <p:extLst>
+      <p:ext uri="{BB962C8B-B14F-4D97-AF65-F5344CB8AC3E}">
+        <p14:creationId xmlns:p14="http://schemas.microsoft.com/office/powerpoint/2010/main" val="1176434311"/>
+      </p:ext>
+    </p:extLst>
+  </p:cSld>
+  <p:clrMapOvr>
+    <a:masterClrMapping/>
+  </p:clrMapOvr>
+</p:sld>
+</file>
+
+<file path=ppt/slides/slide11.xml><?xml version="1.0" encoding="utf-8"?>
+<p:sld xmlns:a="http://schemas.openxmlformats.org/drawingml/2006/main" xmlns:r="http://schemas.openxmlformats.org/officeDocument/2006/relationships" xmlns:p="http://schemas.openxmlformats.org/presentationml/2006/main">
+  <p:cSld>
+    <p:spTree>
+      <p:nvGrpSpPr>
+        <p:cNvPr id="1" name=""/>
+        <p:cNvGrpSpPr/>
+        <p:nvPr/>
+      </p:nvGrpSpPr>
+      <p:grpSpPr>
+        <a:xfrm>
+          <a:off x="0" y="0"/>
+          <a:ext cx="0" cy="0"/>
+          <a:chOff x="0" y="0"/>
+          <a:chExt cx="0" cy="0"/>
+        </a:xfrm>
+      </p:grpSpPr>
+      <p:pic>
+        <p:nvPicPr>
+          <p:cNvPr id="4" name="Рисунок 3"/>
+          <p:cNvPicPr>
+            <a:picLocks noChangeAspect="1"/>
+          </p:cNvPicPr>
+          <p:nvPr/>
+        </p:nvPicPr>
+        <p:blipFill>
+          <a:blip r:embed="rId2" cstate="print">
+            <a:extLst>
+              <a:ext uri="{28A0092B-C50C-407E-A947-70E740481C1C}">
+                <a14:useLocalDpi xmlns:a14="http://schemas.microsoft.com/office/drawing/2010/main" val="0"/>
+              </a:ext>
+            </a:extLst>
+          </a:blip>
+          <a:stretch>
+            <a:fillRect/>
+          </a:stretch>
+        </p:blipFill>
+        <p:spPr>
+          <a:xfrm>
+            <a:off x="0" y="0"/>
+            <a:ext cx="12192000" cy="6858001"/>
+          </a:xfrm>
+          <a:prstGeom prst="rect">
+            <a:avLst/>
+          </a:prstGeom>
+        </p:spPr>
+      </p:pic>
+      <p:pic>
+        <p:nvPicPr>
+          <p:cNvPr id="8" name="Рисунок 7">
+            <a:extLst>
+              <a:ext uri="{FF2B5EF4-FFF2-40B4-BE49-F238E27FC236}">
+                <a16:creationId xmlns:a16="http://schemas.microsoft.com/office/drawing/2014/main" id="{B74A0A7E-CFD3-6A00-1D71-BD8C94182038}"/>
+              </a:ext>
+            </a:extLst>
+          </p:cNvPr>
+          <p:cNvPicPr>
+            <a:picLocks noChangeAspect="1"/>
+          </p:cNvPicPr>
+          <p:nvPr/>
+        </p:nvPicPr>
+        <p:blipFill>
+          <a:blip r:embed="rId3" cstate="print">
+            <a:extLst>
+              <a:ext uri="{28A0092B-C50C-407E-A947-70E740481C1C}">
+                <a14:useLocalDpi xmlns:a14="http://schemas.microsoft.com/office/drawing/2010/main" val="0"/>
+              </a:ext>
+              <a:ext uri="{96DAC541-7B7A-43D3-8B79-37D633B846F1}">
+                <asvg:svgBlip xmlns:asvg="http://schemas.microsoft.com/office/drawing/2016/SVG/main" r:embed="rId4"/>
+              </a:ext>
+            </a:extLst>
+          </a:blip>
+          <a:stretch>
+            <a:fillRect/>
+          </a:stretch>
+        </p:blipFill>
+        <p:spPr>
+          <a:xfrm>
+            <a:off x="4125685" y="2096793"/>
+            <a:ext cx="3940629" cy="3940629"/>
+          </a:xfrm>
+          <a:prstGeom prst="rect">
+            <a:avLst/>
+          </a:prstGeom>
+        </p:spPr>
+      </p:pic>
+      <p:sp>
+        <p:nvSpPr>
+          <p:cNvPr id="9" name="Прямоугольник 8">
+            <a:extLst>
+              <a:ext uri="{FF2B5EF4-FFF2-40B4-BE49-F238E27FC236}">
+                <a16:creationId xmlns:a16="http://schemas.microsoft.com/office/drawing/2014/main" id="{F99E913B-C7B4-1DAA-BB47-6D14AA8A620E}"/>
+              </a:ext>
+            </a:extLst>
+          </p:cNvPr>
+          <p:cNvSpPr/>
+          <p:nvPr/>
+        </p:nvSpPr>
+        <p:spPr>
+          <a:xfrm>
+            <a:off x="3936015" y="1512018"/>
+            <a:ext cx="4319970" cy="584775"/>
+          </a:xfrm>
+          <a:prstGeom prst="rect">
+            <a:avLst/>
+          </a:prstGeom>
+          <a:noFill/>
+        </p:spPr>
+        <p:txBody>
+          <a:bodyPr wrap="square" lIns="91440" tIns="45720" rIns="91440" bIns="45720">
+            <a:spAutoFit/>
+          </a:bodyPr>
+          <a:lstStyle/>
+          <a:p>
+            <a:pPr algn="ctr"/>
+            <a:r>
+              <a:rPr lang="ru-RU" sz="3200" dirty="0"/>
+              <a:t>Ссылка на</a:t>
+            </a:r>
+            <a:r>
+              <a:rPr lang="en-US" sz="3200" dirty="0"/>
+              <a:t> GitHub </a:t>
+            </a:r>
+            <a:r>
+              <a:rPr lang="ru-RU" sz="3200" dirty="0"/>
+              <a:t>игры. </a:t>
+            </a:r>
+          </a:p>
+        </p:txBody>
+      </p:sp>
+    </p:spTree>
+    <p:extLst>
+      <p:ext uri="{BB962C8B-B14F-4D97-AF65-F5344CB8AC3E}">
+        <p14:creationId xmlns:p14="http://schemas.microsoft.com/office/powerpoint/2010/main" val="4187657187"/>
+      </p:ext>
+    </p:extLst>
+  </p:cSld>
+  <p:clrMapOvr>
+    <a:masterClrMapping/>
+  </p:clrMapOvr>
+</p:sld>
+</file>
+
+<file path=ppt/slides/slide12.xml><?xml version="1.0" encoding="utf-8"?>
+<p:sld xmlns:a="http://schemas.openxmlformats.org/drawingml/2006/main" xmlns:r="http://schemas.openxmlformats.org/officeDocument/2006/relationships" xmlns:p="http://schemas.openxmlformats.org/presentationml/2006/main">
+  <p:cSld>
+    <p:spTree>
+      <p:nvGrpSpPr>
+        <p:cNvPr id="1" name=""/>
+        <p:cNvGrpSpPr/>
+        <p:nvPr/>
+      </p:nvGrpSpPr>
+      <p:grpSpPr>
+        <a:xfrm>
+          <a:off x="0" y="0"/>
+          <a:ext cx="0" cy="0"/>
+          <a:chOff x="0" y="0"/>
+          <a:chExt cx="0" cy="0"/>
+        </a:xfrm>
+      </p:grpSpPr>
+      <p:pic>
+        <p:nvPicPr>
+          <p:cNvPr id="5" name="Рисунок 4">
+            <a:extLst>
+              <a:ext uri="{FF2B5EF4-FFF2-40B4-BE49-F238E27FC236}">
+                <a16:creationId xmlns:a16="http://schemas.microsoft.com/office/drawing/2014/main" id="{2BB28917-6766-C98F-CD46-C4C4910F1E06}"/>
+              </a:ext>
+            </a:extLst>
+          </p:cNvPr>
+          <p:cNvPicPr>
+            <a:picLocks noChangeAspect="1"/>
+          </p:cNvPicPr>
+          <p:nvPr/>
+        </p:nvPicPr>
+        <p:blipFill>
+          <a:blip r:embed="rId2">
+            <a:extLst>
+              <a:ext uri="{28A0092B-C50C-407E-A947-70E740481C1C}">
+                <a14:useLocalDpi xmlns:a14="http://schemas.microsoft.com/office/drawing/2010/main" val="0"/>
+              </a:ext>
+            </a:extLst>
+          </a:blip>
+          <a:stretch>
+            <a:fillRect/>
+          </a:stretch>
+        </p:blipFill>
+        <p:spPr>
+          <a:xfrm>
+            <a:off x="0" y="-1"/>
+            <a:ext cx="12192000" cy="6858001"/>
+          </a:xfrm>
+          <a:prstGeom prst="rect">
+            <a:avLst/>
+          </a:prstGeom>
+        </p:spPr>
+      </p:pic>
+      <p:sp>
+        <p:nvSpPr>
+          <p:cNvPr id="6" name="Прямоугольник 5"/>
+          <p:cNvSpPr/>
+          <p:nvPr/>
+        </p:nvSpPr>
+        <p:spPr>
+          <a:xfrm>
+            <a:off x="875247" y="-1"/>
+            <a:ext cx="2549032" cy="923330"/>
+          </a:xfrm>
+          <a:prstGeom prst="rect">
+            <a:avLst/>
+          </a:prstGeom>
+          <a:noFill/>
+        </p:spPr>
+        <p:txBody>
+          <a:bodyPr wrap="none" lIns="91440" tIns="45720" rIns="91440" bIns="45720">
+            <a:spAutoFit/>
+          </a:bodyPr>
+          <a:lstStyle/>
+          <a:p>
+            <a:pPr algn="ctr"/>
+            <a:r>
+              <a:rPr lang="ru-RU" sz="5400" b="0" cap="none" spc="0" dirty="0">
+                <a:ln w="0"/>
+                <a:solidFill>
+                  <a:schemeClr val="tx1"/>
+                </a:solidFill>
+                <a:effectLst>
+                  <a:outerShdw blurRad="38100" dist="19050" dir="2700000" algn="tl" rotWithShape="0">
+                    <a:schemeClr val="dk1">
+                      <a:alpha val="40000"/>
+                    </a:schemeClr>
+                  </a:outerShdw>
+                </a:effectLst>
+              </a:rPr>
+              <a:t>Выводы</a:t>
+            </a:r>
+          </a:p>
+        </p:txBody>
+      </p:sp>
+      <p:sp>
+        <p:nvSpPr>
+          <p:cNvPr id="2" name="Прямоугольник 1"/>
+          <p:cNvSpPr/>
+          <p:nvPr/>
+        </p:nvSpPr>
+        <p:spPr>
+          <a:xfrm>
+            <a:off x="1280068" y="2748289"/>
+            <a:ext cx="9631863" cy="2246769"/>
+          </a:xfrm>
+          <a:prstGeom prst="rect">
+            <a:avLst/>
+          </a:prstGeom>
+          <a:noFill/>
+        </p:spPr>
+        <p:txBody>
+          <a:bodyPr wrap="square" lIns="91440" tIns="45720" rIns="91440" bIns="45720">
+            <a:spAutoFit/>
+          </a:bodyPr>
+          <a:lstStyle/>
+          <a:p>
+            <a:pPr algn="just"/>
+            <a:r>
+              <a:rPr lang="ru-RU" sz="2800" dirty="0"/>
+              <a:t>В результате проделанной работы при помощи языка программирования </a:t>
+            </a:r>
+            <a:r>
+              <a:rPr lang="en-US" sz="2800" dirty="0"/>
+              <a:t>Python</a:t>
+            </a:r>
+            <a:r>
+              <a:rPr lang="ru-RU" sz="2800" dirty="0"/>
+              <a:t> и библиотеки </a:t>
+            </a:r>
+            <a:r>
+              <a:rPr lang="en-US" sz="2800" dirty="0" err="1"/>
+              <a:t>Pygame</a:t>
+            </a:r>
+            <a:r>
+              <a:rPr lang="ru-RU" sz="2800" dirty="0"/>
+              <a:t>. Была создана игра, транспортной стратегии по перевозке пассажиров. Так же мы научились работать в команде и правильно распределять задачи.</a:t>
+            </a:r>
+          </a:p>
+        </p:txBody>
+      </p:sp>
+    </p:spTree>
+    <p:extLst>
+      <p:ext uri="{BB962C8B-B14F-4D97-AF65-F5344CB8AC3E}">
+        <p14:creationId xmlns:p14="http://schemas.microsoft.com/office/powerpoint/2010/main" val="732464087"/>
+      </p:ext>
+    </p:extLst>
+  </p:cSld>
+  <p:clrMapOvr>
+    <a:masterClrMapping/>
+  </p:clrMapOvr>
+</p:sld>
+</file>
+
+<file path=ppt/slides/slide2.xml><?xml version="1.0" encoding="utf-8"?>
+<p:sld xmlns:a="http://schemas.openxmlformats.org/drawingml/2006/main" xmlns:r="http://schemas.openxmlformats.org/officeDocument/2006/relationships" xmlns:p="http://schemas.openxmlformats.org/presentationml/2006/main">
+  <p:cSld>
+    <p:spTree>
+      <p:nvGrpSpPr>
+        <p:cNvPr id="1" name=""/>
+        <p:cNvGrpSpPr/>
+        <p:nvPr/>
+      </p:nvGrpSpPr>
+      <p:grpSpPr>
+        <a:xfrm>
+          <a:off x="0" y="0"/>
+          <a:ext cx="0" cy="0"/>
+          <a:chOff x="0" y="0"/>
+          <a:chExt cx="0" cy="0"/>
+        </a:xfrm>
+      </p:grpSpPr>
+      <p:pic>
+        <p:nvPicPr>
+          <p:cNvPr id="4" name="Рисунок 3"/>
+          <p:cNvPicPr>
+            <a:picLocks noChangeAspect="1"/>
+          </p:cNvPicPr>
+          <p:nvPr/>
+        </p:nvPicPr>
+        <p:blipFill>
+          <a:blip r:embed="rId2" cstate="print">
+            <a:extLst>
+              <a:ext uri="{28A0092B-C50C-407E-A947-70E740481C1C}">
+                <a14:useLocalDpi xmlns:a14="http://schemas.microsoft.com/office/drawing/2010/main" val="0"/>
+              </a:ext>
+            </a:extLst>
+          </a:blip>
+          <a:stretch>
+            <a:fillRect/>
+          </a:stretch>
+        </p:blipFill>
+        <p:spPr>
+          <a:xfrm>
+            <a:off x="0" y="-1"/>
+            <a:ext cx="12192000" cy="6858001"/>
           </a:xfrm>
           <a:prstGeom prst="rect">
             <a:avLst/>
@@ -3058,76 +4111,142 @@
           </a:p>
         </p:txBody>
       </p:sp>
-      <p:sp>
-        <p:nvSpPr>
-          <p:cNvPr id="2" name="Прямоугольник 1">
+      <p:pic>
+        <p:nvPicPr>
+          <p:cNvPr id="3" name="Рисунок 2">
             <a:extLst>
               <a:ext uri="{FF2B5EF4-FFF2-40B4-BE49-F238E27FC236}">
-                <a16:creationId xmlns:a16="http://schemas.microsoft.com/office/drawing/2014/main" id="{7C9B7297-EF2A-72F1-8693-621737447372}"/>
+                <a16:creationId xmlns:a16="http://schemas.microsoft.com/office/drawing/2014/main" id="{39ECBDD6-6C11-B931-6698-D22F96DD924E}"/>
               </a:ext>
             </a:extLst>
           </p:cNvPr>
-          <p:cNvSpPr/>
+          <p:cNvPicPr>
+            <a:picLocks noChangeAspect="1"/>
+          </p:cNvPicPr>
           <p:nvPr/>
-        </p:nvSpPr>
-        <p:spPr>
-          <a:xfrm>
-            <a:off x="6886846" y="2387600"/>
-            <a:ext cx="4930140" cy="3108543"/>
+        </p:nvPicPr>
+        <p:blipFill>
+          <a:blip r:embed="rId3" cstate="print">
+            <a:extLst>
+              <a:ext uri="{28A0092B-C50C-407E-A947-70E740481C1C}">
+                <a14:useLocalDpi xmlns:a14="http://schemas.microsoft.com/office/drawing/2010/main" val="0"/>
+              </a:ext>
+            </a:extLst>
+          </a:blip>
+          <a:stretch>
+            <a:fillRect/>
+          </a:stretch>
+        </p:blipFill>
+        <p:spPr>
+          <a:xfrm>
+            <a:off x="8900160" y="2710979"/>
+            <a:ext cx="2642520" cy="3589672"/>
           </a:xfrm>
           <a:prstGeom prst="rect">
             <a:avLst/>
           </a:prstGeom>
-          <a:noFill/>
-        </p:spPr>
-        <p:txBody>
-          <a:bodyPr wrap="square" lIns="91440" tIns="45720" rIns="91440" bIns="45720">
-            <a:spAutoFit/>
-          </a:bodyPr>
-          <a:lstStyle/>
-          <a:p>
-            <a:pPr algn="just"/>
-            <a:r>
-              <a:rPr lang="ru-RU" sz="2800" dirty="0">
-                <a:solidFill>
-                  <a:srgbClr val="1F1F1F"/>
-                </a:solidFill>
-                <a:effectLst/>
-                <a:latin typeface="Calibri" panose="020F0502020204030204" pitchFamily="34" charset="0"/>
-                <a:ea typeface="Calibri" panose="020F0502020204030204" pitchFamily="34" charset="0"/>
-                <a:cs typeface="Times New Roman" panose="02020603050405020304" pitchFamily="18" charset="0"/>
-              </a:rPr>
-              <a:t>Стратегии – обширный жанр видеоигр, ориентированный на управление не одним объектом, а целой группой.</a:t>
-            </a:r>
-            <a:r>
-              <a:rPr lang="ru-RU" sz="2800" dirty="0">
-                <a:effectLst/>
-                <a:latin typeface="Calibri" panose="020F0502020204030204" pitchFamily="34" charset="0"/>
-                <a:ea typeface="Calibri" panose="020F0502020204030204" pitchFamily="34" charset="0"/>
-                <a:cs typeface="Times New Roman" panose="02020603050405020304" pitchFamily="18" charset="0"/>
-              </a:rPr>
-              <a:t> В этих играх нужно продумывать свои ходы, чтобы достичь желаемого результата.</a:t>
-            </a:r>
-            <a:endParaRPr lang="ru-RU" sz="2800" b="0" cap="none" spc="0" dirty="0">
-              <a:ln w="0"/>
-              <a:solidFill>
-                <a:schemeClr val="tx1"/>
-              </a:solidFill>
-              <a:effectLst>
-                <a:outerShdw blurRad="38100" dist="19050" dir="2700000" algn="tl" rotWithShape="0">
-                  <a:schemeClr val="dk1">
-                    <a:alpha val="40000"/>
-                  </a:schemeClr>
-                </a:outerShdw>
-              </a:effectLst>
-            </a:endParaRPr>
-          </a:p>
-        </p:txBody>
-      </p:sp>
+          <a:effectLst>
+            <a:glow rad="228600">
+              <a:schemeClr val="accent3">
+                <a:satMod val="175000"/>
+                <a:alpha val="40000"/>
+              </a:schemeClr>
+            </a:glow>
+          </a:effectLst>
+        </p:spPr>
+      </p:pic>
+      <p:pic>
+        <p:nvPicPr>
+          <p:cNvPr id="7" name="Рисунок 6">
+            <a:extLst>
+              <a:ext uri="{FF2B5EF4-FFF2-40B4-BE49-F238E27FC236}">
+                <a16:creationId xmlns:a16="http://schemas.microsoft.com/office/drawing/2014/main" id="{69C9B863-10CB-7841-4037-35E634D0C055}"/>
+              </a:ext>
+            </a:extLst>
+          </p:cNvPr>
+          <p:cNvPicPr>
+            <a:picLocks noChangeAspect="1"/>
+          </p:cNvPicPr>
+          <p:nvPr/>
+        </p:nvPicPr>
+        <p:blipFill>
+          <a:blip r:embed="rId4">
+            <a:extLst>
+              <a:ext uri="{28A0092B-C50C-407E-A947-70E740481C1C}">
+                <a14:useLocalDpi xmlns:a14="http://schemas.microsoft.com/office/drawing/2010/main" val="0"/>
+              </a:ext>
+            </a:extLst>
+          </a:blip>
+          <a:stretch>
+            <a:fillRect/>
+          </a:stretch>
+        </p:blipFill>
+        <p:spPr>
+          <a:xfrm>
+            <a:off x="4955177" y="2710979"/>
+            <a:ext cx="3408875" cy="3589672"/>
+          </a:xfrm>
+          <a:prstGeom prst="rect">
+            <a:avLst/>
+          </a:prstGeom>
+          <a:effectLst>
+            <a:glow rad="228600">
+              <a:schemeClr val="accent3">
+                <a:satMod val="175000"/>
+                <a:alpha val="40000"/>
+              </a:schemeClr>
+            </a:glow>
+          </a:effectLst>
+        </p:spPr>
+      </p:pic>
+      <p:pic>
+        <p:nvPicPr>
+          <p:cNvPr id="11" name="Рисунок 10">
+            <a:extLst>
+              <a:ext uri="{FF2B5EF4-FFF2-40B4-BE49-F238E27FC236}">
+                <a16:creationId xmlns:a16="http://schemas.microsoft.com/office/drawing/2014/main" id="{942AB34A-9F79-8FAA-6E30-6BBF7D0F23F5}"/>
+              </a:ext>
+            </a:extLst>
+          </p:cNvPr>
+          <p:cNvPicPr>
+            <a:picLocks noChangeAspect="1"/>
+          </p:cNvPicPr>
+          <p:nvPr/>
+        </p:nvPicPr>
+        <p:blipFill>
+          <a:blip r:embed="rId5">
+            <a:extLst>
+              <a:ext uri="{28A0092B-C50C-407E-A947-70E740481C1C}">
+                <a14:useLocalDpi xmlns:a14="http://schemas.microsoft.com/office/drawing/2010/main" val="0"/>
+              </a:ext>
+            </a:extLst>
+          </a:blip>
+          <a:stretch>
+            <a:fillRect/>
+          </a:stretch>
+        </p:blipFill>
+        <p:spPr>
+          <a:xfrm>
+            <a:off x="1953727" y="2710979"/>
+            <a:ext cx="2465342" cy="3589672"/>
+          </a:xfrm>
+          <a:prstGeom prst="rect">
+            <a:avLst/>
+          </a:prstGeom>
+          <a:effectLst>
+            <a:glow rad="228600">
+              <a:schemeClr val="accent3">
+                <a:satMod val="175000"/>
+                <a:alpha val="40000"/>
+              </a:schemeClr>
+            </a:glow>
+          </a:effectLst>
+        </p:spPr>
+      </p:pic>
     </p:spTree>
     <p:extLst>
       <p:ext uri="{BB962C8B-B14F-4D97-AF65-F5344CB8AC3E}">
-        <p14:creationId xmlns:p14="http://schemas.microsoft.com/office/powerpoint/2010/main" val="2983050682"/>
+        <p14:creationId xmlns:p14="http://schemas.microsoft.com/office/powerpoint/2010/main" val="3641759682"/>
       </p:ext>
     </p:extLst>
   </p:cSld>
@@ -3137,7 +4256,7 @@
 </p:sld>
 </file>
 
-<file path=ppt/slides/slide2.xml><?xml version="1.0" encoding="utf-8"?>
+<file path=ppt/slides/slide3.xml><?xml version="1.0" encoding="utf-8"?>
 <p:sld xmlns:a="http://schemas.openxmlformats.org/drawingml/2006/main" xmlns:r="http://schemas.openxmlformats.org/officeDocument/2006/relationships" xmlns:p="http://schemas.openxmlformats.org/presentationml/2006/main">
   <p:cSld>
     <p:spTree>
@@ -3277,7 +4396,7 @@
 </p:sld>
 </file>
 
-<file path=ppt/slides/slide3.xml><?xml version="1.0" encoding="utf-8"?>
+<file path=ppt/slides/slide4.xml><?xml version="1.0" encoding="utf-8"?>
 <p:sld xmlns:a="http://schemas.openxmlformats.org/drawingml/2006/main" xmlns:r="http://schemas.openxmlformats.org/officeDocument/2006/relationships" xmlns:p="http://schemas.openxmlformats.org/presentationml/2006/main">
   <p:cSld>
     <p:spTree>
@@ -3380,7 +4499,7 @@
         </p:nvSpPr>
         <p:spPr>
           <a:xfrm>
-            <a:off x="2486245" y="2967335"/>
+            <a:off x="1940468" y="3002170"/>
             <a:ext cx="8311064" cy="1569660"/>
           </a:xfrm>
           <a:prstGeom prst="rect">
@@ -3415,7 +4534,7 @@
 </p:sld>
 </file>
 
-<file path=ppt/slides/slide4.xml><?xml version="1.0" encoding="utf-8"?>
+<file path=ppt/slides/slide5.xml><?xml version="1.0" encoding="utf-8"?>
 <p:sld xmlns:a="http://schemas.openxmlformats.org/drawingml/2006/main" xmlns:r="http://schemas.openxmlformats.org/officeDocument/2006/relationships" xmlns:p="http://schemas.openxmlformats.org/presentationml/2006/main">
   <p:cSld>
     <p:spTree>
@@ -3645,7 +4764,7 @@
 </p:sld>
 </file>
 
-<file path=ppt/slides/slide5.xml><?xml version="1.0" encoding="utf-8"?>
+<file path=ppt/slides/slide6.xml><?xml version="1.0" encoding="utf-8"?>
 <p:sld xmlns:a="http://schemas.openxmlformats.org/drawingml/2006/main" xmlns:r="http://schemas.openxmlformats.org/officeDocument/2006/relationships" xmlns:p="http://schemas.openxmlformats.org/presentationml/2006/main">
   <p:cSld>
     <p:spTree>
@@ -3662,6 +4781,42 @@
           <a:chExt cx="0" cy="0"/>
         </a:xfrm>
       </p:grpSpPr>
+      <p:pic>
+        <p:nvPicPr>
+          <p:cNvPr id="10" name="Рисунок 9">
+            <a:extLst>
+              <a:ext uri="{FF2B5EF4-FFF2-40B4-BE49-F238E27FC236}">
+                <a16:creationId xmlns:a16="http://schemas.microsoft.com/office/drawing/2014/main" id="{8F641991-5478-3B66-658F-15154CB789EA}"/>
+              </a:ext>
+            </a:extLst>
+          </p:cNvPr>
+          <p:cNvPicPr>
+            <a:picLocks noChangeAspect="1"/>
+          </p:cNvPicPr>
+          <p:nvPr/>
+        </p:nvPicPr>
+        <p:blipFill>
+          <a:blip r:embed="rId2">
+            <a:extLst>
+              <a:ext uri="{28A0092B-C50C-407E-A947-70E740481C1C}">
+                <a14:useLocalDpi xmlns:a14="http://schemas.microsoft.com/office/drawing/2010/main" val="0"/>
+              </a:ext>
+            </a:extLst>
+          </a:blip>
+          <a:stretch>
+            <a:fillRect/>
+          </a:stretch>
+        </p:blipFill>
+        <p:spPr>
+          <a:xfrm>
+            <a:off x="0" y="-1"/>
+            <a:ext cx="12192000" cy="6858001"/>
+          </a:xfrm>
+          <a:prstGeom prst="rect">
+            <a:avLst/>
+          </a:prstGeom>
+        </p:spPr>
+      </p:pic>
       <p:sp>
         <p:nvSpPr>
           <p:cNvPr id="6" name="Прямоугольник 5"/>
@@ -3717,6 +4872,36 @@
           </a:p>
         </p:txBody>
       </p:sp>
+      <p:pic>
+        <p:nvPicPr>
+          <p:cNvPr id="5" name="Рисунок 4">
+            <a:extLst>
+              <a:ext uri="{FF2B5EF4-FFF2-40B4-BE49-F238E27FC236}">
+                <a16:creationId xmlns:a16="http://schemas.microsoft.com/office/drawing/2014/main" id="{76092096-67FC-00EF-B4BB-0A1C1780FCF7}"/>
+              </a:ext>
+            </a:extLst>
+          </p:cNvPr>
+          <p:cNvPicPr>
+            <a:picLocks noChangeAspect="1"/>
+          </p:cNvPicPr>
+          <p:nvPr/>
+        </p:nvPicPr>
+        <p:blipFill>
+          <a:blip r:embed="rId3"/>
+          <a:stretch>
+            <a:fillRect/>
+          </a:stretch>
+        </p:blipFill>
+        <p:spPr>
+          <a:xfrm>
+            <a:off x="1786130" y="1581589"/>
+            <a:ext cx="8619740" cy="4818319"/>
+          </a:xfrm>
+          <a:prstGeom prst="rect">
+            <a:avLst/>
+          </a:prstGeom>
+        </p:spPr>
+      </p:pic>
     </p:spTree>
     <p:extLst>
       <p:ext uri="{BB962C8B-B14F-4D97-AF65-F5344CB8AC3E}">
@@ -3730,7 +4915,200 @@
 </p:sld>
 </file>
 
-<file path=ppt/slides/slide6.xml><?xml version="1.0" encoding="utf-8"?>
+<file path=ppt/slides/slide7.xml><?xml version="1.0" encoding="utf-8"?>
+<p:sld xmlns:a="http://schemas.openxmlformats.org/drawingml/2006/main" xmlns:r="http://schemas.openxmlformats.org/officeDocument/2006/relationships" xmlns:p="http://schemas.openxmlformats.org/presentationml/2006/main">
+  <p:cSld>
+    <p:spTree>
+      <p:nvGrpSpPr>
+        <p:cNvPr id="1" name=""/>
+        <p:cNvGrpSpPr/>
+        <p:nvPr/>
+      </p:nvGrpSpPr>
+      <p:grpSpPr>
+        <a:xfrm>
+          <a:off x="0" y="0"/>
+          <a:ext cx="0" cy="0"/>
+          <a:chOff x="0" y="0"/>
+          <a:chExt cx="0" cy="0"/>
+        </a:xfrm>
+      </p:grpSpPr>
+      <p:pic>
+        <p:nvPicPr>
+          <p:cNvPr id="11" name="Рисунок 10">
+            <a:extLst>
+              <a:ext uri="{FF2B5EF4-FFF2-40B4-BE49-F238E27FC236}">
+                <a16:creationId xmlns:a16="http://schemas.microsoft.com/office/drawing/2014/main" id="{3B7BDB62-9E03-1039-52B9-9E44A223FA0C}"/>
+              </a:ext>
+            </a:extLst>
+          </p:cNvPr>
+          <p:cNvPicPr>
+            <a:picLocks noChangeAspect="1"/>
+          </p:cNvPicPr>
+          <p:nvPr/>
+        </p:nvPicPr>
+        <p:blipFill>
+          <a:blip r:embed="rId2">
+            <a:extLst>
+              <a:ext uri="{28A0092B-C50C-407E-A947-70E740481C1C}">
+                <a14:useLocalDpi xmlns:a14="http://schemas.microsoft.com/office/drawing/2010/main" val="0"/>
+              </a:ext>
+            </a:extLst>
+          </a:blip>
+          <a:stretch>
+            <a:fillRect/>
+          </a:stretch>
+        </p:blipFill>
+        <p:spPr>
+          <a:xfrm>
+            <a:off x="0" y="-1"/>
+            <a:ext cx="12192000" cy="6858001"/>
+          </a:xfrm>
+          <a:prstGeom prst="rect">
+            <a:avLst/>
+          </a:prstGeom>
+        </p:spPr>
+      </p:pic>
+      <p:sp>
+        <p:nvSpPr>
+          <p:cNvPr id="6" name="Прямоугольник 5"/>
+          <p:cNvSpPr/>
+          <p:nvPr/>
+        </p:nvSpPr>
+        <p:spPr>
+          <a:xfrm>
+            <a:off x="869785" y="-1"/>
+            <a:ext cx="3034742" cy="923330"/>
+          </a:xfrm>
+          <a:prstGeom prst="rect">
+            <a:avLst/>
+          </a:prstGeom>
+          <a:noFill/>
+        </p:spPr>
+        <p:txBody>
+          <a:bodyPr wrap="none" lIns="91440" tIns="45720" rIns="91440" bIns="45720">
+            <a:spAutoFit/>
+          </a:bodyPr>
+          <a:lstStyle/>
+          <a:p>
+            <a:pPr algn="ctr"/>
+            <a:r>
+              <a:rPr lang="ru-RU" sz="5400" b="0" cap="none" spc="0" dirty="0" err="1">
+                <a:ln w="0"/>
+                <a:solidFill>
+                  <a:schemeClr val="tx1"/>
+                </a:solidFill>
+                <a:effectLst>
+                  <a:outerShdw blurRad="38100" dist="19050" dir="2700000" algn="tl" rotWithShape="0">
+                    <a:schemeClr val="dk1">
+                      <a:alpha val="40000"/>
+                    </a:schemeClr>
+                  </a:outerShdw>
+                </a:effectLst>
+              </a:rPr>
+              <a:t>Геймплей</a:t>
+            </a:r>
+            <a:endParaRPr lang="ru-RU" sz="5400" b="0" cap="none" spc="0" dirty="0">
+              <a:ln w="0"/>
+              <a:solidFill>
+                <a:schemeClr val="tx1"/>
+              </a:solidFill>
+              <a:effectLst>
+                <a:outerShdw blurRad="38100" dist="19050" dir="2700000" algn="tl" rotWithShape="0">
+                  <a:schemeClr val="dk1">
+                    <a:alpha val="40000"/>
+                  </a:schemeClr>
+                </a:outerShdw>
+              </a:effectLst>
+            </a:endParaRPr>
+          </a:p>
+        </p:txBody>
+      </p:sp>
+      <p:pic>
+        <p:nvPicPr>
+          <p:cNvPr id="13" name="Рисунок 12">
+            <a:extLst>
+              <a:ext uri="{FF2B5EF4-FFF2-40B4-BE49-F238E27FC236}">
+                <a16:creationId xmlns:a16="http://schemas.microsoft.com/office/drawing/2014/main" id="{9101D7F4-B6E2-E953-AC1B-556E198696DA}"/>
+              </a:ext>
+            </a:extLst>
+          </p:cNvPr>
+          <p:cNvPicPr>
+            <a:picLocks noChangeAspect="1"/>
+          </p:cNvPicPr>
+          <p:nvPr/>
+        </p:nvPicPr>
+        <p:blipFill>
+          <a:blip r:embed="rId3">
+            <a:extLst>
+              <a:ext uri="{28A0092B-C50C-407E-A947-70E740481C1C}">
+                <a14:useLocalDpi xmlns:a14="http://schemas.microsoft.com/office/drawing/2010/main" val="0"/>
+              </a:ext>
+            </a:extLst>
+          </a:blip>
+          <a:stretch>
+            <a:fillRect/>
+          </a:stretch>
+        </p:blipFill>
+        <p:spPr>
+          <a:xfrm>
+            <a:off x="-1171819" y="1485726"/>
+            <a:ext cx="8746995" cy="4895995"/>
+          </a:xfrm>
+          <a:prstGeom prst="rect">
+            <a:avLst/>
+          </a:prstGeom>
+        </p:spPr>
+      </p:pic>
+      <p:pic>
+        <p:nvPicPr>
+          <p:cNvPr id="15" name="Рисунок 14">
+            <a:extLst>
+              <a:ext uri="{FF2B5EF4-FFF2-40B4-BE49-F238E27FC236}">
+                <a16:creationId xmlns:a16="http://schemas.microsoft.com/office/drawing/2014/main" id="{FD1D9F1D-BA40-9AA3-2827-8760F085AE6C}"/>
+              </a:ext>
+            </a:extLst>
+          </p:cNvPr>
+          <p:cNvPicPr>
+            <a:picLocks noChangeAspect="1"/>
+          </p:cNvPicPr>
+          <p:nvPr/>
+        </p:nvPicPr>
+        <p:blipFill>
+          <a:blip r:embed="rId4">
+            <a:extLst>
+              <a:ext uri="{28A0092B-C50C-407E-A947-70E740481C1C}">
+                <a14:useLocalDpi xmlns:a14="http://schemas.microsoft.com/office/drawing/2010/main" val="0"/>
+              </a:ext>
+            </a:extLst>
+          </a:blip>
+          <a:stretch>
+            <a:fillRect/>
+          </a:stretch>
+        </p:blipFill>
+        <p:spPr>
+          <a:xfrm>
+            <a:off x="4310714" y="1554877"/>
+            <a:ext cx="8746996" cy="4895996"/>
+          </a:xfrm>
+          <a:prstGeom prst="rect">
+            <a:avLst/>
+          </a:prstGeom>
+        </p:spPr>
+      </p:pic>
+    </p:spTree>
+    <p:extLst>
+      <p:ext uri="{BB962C8B-B14F-4D97-AF65-F5344CB8AC3E}">
+        <p14:creationId xmlns:p14="http://schemas.microsoft.com/office/powerpoint/2010/main" val="1450086508"/>
+      </p:ext>
+    </p:extLst>
+  </p:cSld>
+  <p:clrMapOvr>
+    <a:masterClrMapping/>
+  </p:clrMapOvr>
+</p:sld>
+</file>
+
+<file path=ppt/slides/slide8.xml><?xml version="1.0" encoding="utf-8"?>
 <p:sld xmlns:a="http://schemas.openxmlformats.org/drawingml/2006/main" xmlns:r="http://schemas.openxmlformats.org/officeDocument/2006/relationships" xmlns:p="http://schemas.openxmlformats.org/presentationml/2006/main">
   <p:cSld>
     <p:spTree>
@@ -3904,7 +5282,7 @@
 </p:sld>
 </file>
 
-<file path=ppt/slides/slide7.xml><?xml version="1.0" encoding="utf-8"?>
+<file path=ppt/slides/slide9.xml><?xml version="1.0" encoding="utf-8"?>
 <p:sld xmlns:a="http://schemas.openxmlformats.org/drawingml/2006/main" xmlns:r="http://schemas.openxmlformats.org/officeDocument/2006/relationships" xmlns:p="http://schemas.openxmlformats.org/presentationml/2006/main">
   <p:cSld>
     <p:spTree>
@@ -3993,30 +5371,6 @@
           </a:p>
         </p:txBody>
       </p:sp>
-      <p:pic>
-        <p:nvPicPr>
-          <p:cNvPr id="2" name="Рисунок 1"/>
-          <p:cNvPicPr>
-            <a:picLocks noChangeAspect="1"/>
-          </p:cNvPicPr>
-          <p:nvPr/>
-        </p:nvPicPr>
-        <p:blipFill>
-          <a:blip r:embed="rId3"/>
-          <a:stretch>
-            <a:fillRect/>
-          </a:stretch>
-        </p:blipFill>
-        <p:spPr>
-          <a:xfrm>
-            <a:off x="2370246" y="2549238"/>
-            <a:ext cx="9002081" cy="3398982"/>
-          </a:xfrm>
-          <a:prstGeom prst="rect">
-            <a:avLst/>
-          </a:prstGeom>
-        </p:spPr>
-      </p:pic>
       <p:sp>
         <p:nvSpPr>
           <p:cNvPr id="3" name="Прямоугольник 2"/>
@@ -4025,7 +5379,7 @@
         </p:nvSpPr>
         <p:spPr>
           <a:xfrm>
-            <a:off x="4599228" y="1639458"/>
+            <a:off x="4008665" y="1796212"/>
             <a:ext cx="4174669" cy="707886"/>
           </a:xfrm>
           <a:prstGeom prst="rect">
@@ -4059,46 +5413,22 @@
           </a:p>
         </p:txBody>
       </p:sp>
-    </p:spTree>
-    <p:extLst>
-      <p:ext uri="{BB962C8B-B14F-4D97-AF65-F5344CB8AC3E}">
-        <p14:creationId xmlns:p14="http://schemas.microsoft.com/office/powerpoint/2010/main" val="1687870309"/>
-      </p:ext>
-    </p:extLst>
-  </p:cSld>
-  <p:clrMapOvr>
-    <a:masterClrMapping/>
-  </p:clrMapOvr>
-</p:sld>
-</file>
-
-<file path=ppt/slides/slide8.xml><?xml version="1.0" encoding="utf-8"?>
-<p:sld xmlns:a="http://schemas.openxmlformats.org/drawingml/2006/main" xmlns:r="http://schemas.openxmlformats.org/officeDocument/2006/relationships" xmlns:p="http://schemas.openxmlformats.org/presentationml/2006/main">
-  <p:cSld>
-    <p:spTree>
-      <p:nvGrpSpPr>
-        <p:cNvPr id="1" name=""/>
-        <p:cNvGrpSpPr/>
-        <p:nvPr/>
-      </p:nvGrpSpPr>
-      <p:grpSpPr>
-        <a:xfrm>
-          <a:off x="0" y="0"/>
-          <a:ext cx="0" cy="0"/>
-          <a:chOff x="0" y="0"/>
-          <a:chExt cx="0" cy="0"/>
-        </a:xfrm>
-      </p:grpSpPr>
       <p:pic>
         <p:nvPicPr>
-          <p:cNvPr id="4" name="Рисунок 3"/>
+          <p:cNvPr id="7" name="Рисунок 6">
+            <a:extLst>
+              <a:ext uri="{FF2B5EF4-FFF2-40B4-BE49-F238E27FC236}">
+                <a16:creationId xmlns:a16="http://schemas.microsoft.com/office/drawing/2014/main" id="{658D35B1-9417-765D-044E-5DF46BC03AD8}"/>
+              </a:ext>
+            </a:extLst>
+          </p:cNvPr>
           <p:cNvPicPr>
             <a:picLocks noChangeAspect="1"/>
           </p:cNvPicPr>
           <p:nvPr/>
         </p:nvPicPr>
         <p:blipFill>
-          <a:blip r:embed="rId2" cstate="print">
+          <a:blip r:embed="rId3">
             <a:extLst>
               <a:ext uri="{28A0092B-C50C-407E-A947-70E740481C1C}">
                 <a14:useLocalDpi xmlns:a14="http://schemas.microsoft.com/office/drawing/2010/main" val="0"/>
@@ -4111,8 +5441,8 @@
         </p:blipFill>
         <p:spPr>
           <a:xfrm>
-            <a:off x="-110484" y="0"/>
-            <a:ext cx="12192000" cy="6858001"/>
+            <a:off x="1081136" y="1044580"/>
+            <a:ext cx="11110863" cy="6249861"/>
           </a:xfrm>
           <a:prstGeom prst="rect">
             <a:avLst/>
@@ -4121,14 +5451,20 @@
       </p:pic>
       <p:sp>
         <p:nvSpPr>
-          <p:cNvPr id="6" name="Прямоугольник 5"/>
+          <p:cNvPr id="8" name="Прямоугольник 7">
+            <a:extLst>
+              <a:ext uri="{FF2B5EF4-FFF2-40B4-BE49-F238E27FC236}">
+                <a16:creationId xmlns:a16="http://schemas.microsoft.com/office/drawing/2014/main" id="{2D71B8E5-7057-2AAF-14D8-153BEBF7ADDD}"/>
+              </a:ext>
+            </a:extLst>
+          </p:cNvPr>
           <p:cNvSpPr/>
           <p:nvPr/>
         </p:nvSpPr>
         <p:spPr>
           <a:xfrm>
-            <a:off x="868551" y="-1"/>
-            <a:ext cx="6700617" cy="923330"/>
+            <a:off x="2312894" y="4169510"/>
+            <a:ext cx="2751732" cy="400110"/>
           </a:xfrm>
           <a:prstGeom prst="rect">
             <a:avLst/>
@@ -4136,14 +5472,14 @@
           <a:noFill/>
         </p:spPr>
         <p:txBody>
-          <a:bodyPr wrap="none" lIns="91440" tIns="45720" rIns="91440" bIns="45720">
+          <a:bodyPr wrap="square" lIns="91440" tIns="45720" rIns="91440" bIns="45720">
             <a:spAutoFit/>
           </a:bodyPr>
           <a:lstStyle/>
           <a:p>
             <a:pPr algn="ctr"/>
             <a:r>
-              <a:rPr lang="ru-RU" sz="5400" b="0" cap="none" spc="0" dirty="0">
+              <a:rPr lang="ru-RU" sz="2000" b="0" cap="none" spc="0" dirty="0">
                 <a:ln w="0"/>
                 <a:solidFill>
                   <a:schemeClr val="tx1"/>
@@ -4156,21 +5492,27 @@
                   </a:outerShdw>
                 </a:effectLst>
               </a:rPr>
-              <a:t>Описание алгоритмов</a:t>
-            </a:r>
-          </a:p>
-        </p:txBody>
-      </p:sp>
-      <p:sp>
-        <p:nvSpPr>
-          <p:cNvPr id="3" name="Прямоугольник 2"/>
+              <a:t>Запускается счётчик</a:t>
+            </a:r>
+          </a:p>
+        </p:txBody>
+      </p:sp>
+      <p:sp>
+        <p:nvSpPr>
+          <p:cNvPr id="9" name="Прямоугольник 8">
+            <a:extLst>
+              <a:ext uri="{FF2B5EF4-FFF2-40B4-BE49-F238E27FC236}">
+                <a16:creationId xmlns:a16="http://schemas.microsoft.com/office/drawing/2014/main" id="{58F465E0-9F1F-F80F-CACC-C8139F1C02F8}"/>
+              </a:ext>
+            </a:extLst>
+          </p:cNvPr>
           <p:cNvSpPr/>
           <p:nvPr/>
         </p:nvSpPr>
         <p:spPr>
           <a:xfrm>
-            <a:off x="3976754" y="1639458"/>
-            <a:ext cx="5419625" cy="707886"/>
+            <a:off x="5260702" y="4000882"/>
+            <a:ext cx="2751732" cy="707886"/>
           </a:xfrm>
           <a:prstGeom prst="rect">
             <a:avLst/>
@@ -4178,156 +5520,14 @@
           <a:noFill/>
         </p:spPr>
         <p:txBody>
-          <a:bodyPr wrap="none" lIns="91440" tIns="45720" rIns="91440" bIns="45720">
+          <a:bodyPr wrap="square" lIns="91440" tIns="45720" rIns="91440" bIns="45720">
             <a:spAutoFit/>
           </a:bodyPr>
           <a:lstStyle/>
           <a:p>
             <a:pPr algn="ctr"/>
             <a:r>
-              <a:rPr lang="ru-RU" sz="4000" dirty="0">
-                <a:ln w="0"/>
-                <a:effectLst>
-                  <a:outerShdw blurRad="38100" dist="19050" dir="2700000" algn="tl" rotWithShape="0">
-                    <a:schemeClr val="dk1">
-                      <a:alpha val="40000"/>
-                    </a:schemeClr>
-                  </a:outerShdw>
-                </a:effectLst>
-              </a:rPr>
-              <a:t>Добавление маршрутов</a:t>
-            </a:r>
-            <a:endParaRPr lang="ru-RU" sz="4000" b="0" cap="none" spc="0" dirty="0">
-              <a:ln w="0"/>
-              <a:solidFill>
-                <a:schemeClr val="tx1"/>
-              </a:solidFill>
-              <a:effectLst>
-                <a:outerShdw blurRad="38100" dist="19050" dir="2700000" algn="tl" rotWithShape="0">
-                  <a:schemeClr val="dk1">
-                    <a:alpha val="40000"/>
-                  </a:schemeClr>
-                </a:outerShdw>
-              </a:effectLst>
-            </a:endParaRPr>
-          </a:p>
-        </p:txBody>
-      </p:sp>
-      <p:pic>
-        <p:nvPicPr>
-          <p:cNvPr id="5" name="Рисунок 4"/>
-          <p:cNvPicPr>
-            <a:picLocks noChangeAspect="1"/>
-          </p:cNvPicPr>
-          <p:nvPr/>
-        </p:nvPicPr>
-        <p:blipFill>
-          <a:blip r:embed="rId3"/>
-          <a:stretch>
-            <a:fillRect/>
-          </a:stretch>
-        </p:blipFill>
-        <p:spPr>
-          <a:xfrm>
-            <a:off x="1468582" y="2971339"/>
-            <a:ext cx="10612934" cy="2030925"/>
-          </a:xfrm>
-          <a:prstGeom prst="rect">
-            <a:avLst/>
-          </a:prstGeom>
-        </p:spPr>
-      </p:pic>
-    </p:spTree>
-    <p:extLst>
-      <p:ext uri="{BB962C8B-B14F-4D97-AF65-F5344CB8AC3E}">
-        <p14:creationId xmlns:p14="http://schemas.microsoft.com/office/powerpoint/2010/main" val="1176434311"/>
-      </p:ext>
-    </p:extLst>
-  </p:cSld>
-  <p:clrMapOvr>
-    <a:masterClrMapping/>
-  </p:clrMapOvr>
-</p:sld>
-</file>
-
-<file path=ppt/slides/slide9.xml><?xml version="1.0" encoding="utf-8"?>
-<p:sld xmlns:a="http://schemas.openxmlformats.org/drawingml/2006/main" xmlns:r="http://schemas.openxmlformats.org/officeDocument/2006/relationships" xmlns:p="http://schemas.openxmlformats.org/presentationml/2006/main">
-  <p:cSld>
-    <p:spTree>
-      <p:nvGrpSpPr>
-        <p:cNvPr id="1" name=""/>
-        <p:cNvGrpSpPr/>
-        <p:nvPr/>
-      </p:nvGrpSpPr>
-      <p:grpSpPr>
-        <a:xfrm>
-          <a:off x="0" y="0"/>
-          <a:ext cx="0" cy="0"/>
-          <a:chOff x="0" y="0"/>
-          <a:chExt cx="0" cy="0"/>
-        </a:xfrm>
-      </p:grpSpPr>
-      <p:pic>
-        <p:nvPicPr>
-          <p:cNvPr id="5" name="Рисунок 4">
-            <a:extLst>
-              <a:ext uri="{FF2B5EF4-FFF2-40B4-BE49-F238E27FC236}">
-                <a16:creationId xmlns:a16="http://schemas.microsoft.com/office/drawing/2014/main" id="{2BB28917-6766-C98F-CD46-C4C4910F1E06}"/>
-              </a:ext>
-            </a:extLst>
-          </p:cNvPr>
-          <p:cNvPicPr>
-            <a:picLocks noChangeAspect="1"/>
-          </p:cNvPicPr>
-          <p:nvPr/>
-        </p:nvPicPr>
-        <p:blipFill>
-          <a:blip r:embed="rId2">
-            <a:extLst>
-              <a:ext uri="{28A0092B-C50C-407E-A947-70E740481C1C}">
-                <a14:useLocalDpi xmlns:a14="http://schemas.microsoft.com/office/drawing/2010/main" val="0"/>
-              </a:ext>
-            </a:extLst>
-          </a:blip>
-          <a:stretch>
-            <a:fillRect/>
-          </a:stretch>
-        </p:blipFill>
-        <p:spPr>
-          <a:xfrm>
-            <a:off x="0" y="-1"/>
-            <a:ext cx="12192000" cy="6858001"/>
-          </a:xfrm>
-          <a:prstGeom prst="rect">
-            <a:avLst/>
-          </a:prstGeom>
-        </p:spPr>
-      </p:pic>
-      <p:sp>
-        <p:nvSpPr>
-          <p:cNvPr id="6" name="Прямоугольник 5"/>
-          <p:cNvSpPr/>
-          <p:nvPr/>
-        </p:nvSpPr>
-        <p:spPr>
-          <a:xfrm>
-            <a:off x="875247" y="-1"/>
-            <a:ext cx="2549032" cy="923330"/>
-          </a:xfrm>
-          <a:prstGeom prst="rect">
-            <a:avLst/>
-          </a:prstGeom>
-          <a:noFill/>
-        </p:spPr>
-        <p:txBody>
-          <a:bodyPr wrap="none" lIns="91440" tIns="45720" rIns="91440" bIns="45720">
-            <a:spAutoFit/>
-          </a:bodyPr>
-          <a:lstStyle/>
-          <a:p>
-            <a:pPr algn="ctr"/>
-            <a:r>
-              <a:rPr lang="ru-RU" sz="5400" b="0" cap="none" spc="0" dirty="0">
+              <a:rPr lang="ru-RU" sz="2000" b="0" cap="none" spc="0" dirty="0">
                 <a:ln w="0"/>
                 <a:solidFill>
                   <a:schemeClr val="tx1"/>
@@ -4340,21 +5540,27 @@
                   </a:outerShdw>
                 </a:effectLst>
               </a:rPr>
-              <a:t>Выводы</a:t>
-            </a:r>
-          </a:p>
-        </p:txBody>
-      </p:sp>
-      <p:sp>
-        <p:nvSpPr>
-          <p:cNvPr id="2" name="Прямоугольник 1"/>
+              <a:t>Генерируем координаты точек</a:t>
+            </a:r>
+          </a:p>
+        </p:txBody>
+      </p:sp>
+      <p:sp>
+        <p:nvSpPr>
+          <p:cNvPr id="10" name="Прямоугольник 9">
+            <a:extLst>
+              <a:ext uri="{FF2B5EF4-FFF2-40B4-BE49-F238E27FC236}">
+                <a16:creationId xmlns:a16="http://schemas.microsoft.com/office/drawing/2014/main" id="{072D82FD-9D42-9B0E-3076-31DEA9346BA7}"/>
+              </a:ext>
+            </a:extLst>
+          </p:cNvPr>
           <p:cNvSpPr/>
           <p:nvPr/>
         </p:nvSpPr>
         <p:spPr>
           <a:xfrm>
-            <a:off x="1280068" y="2748289"/>
-            <a:ext cx="9631863" cy="2246769"/>
+            <a:off x="8183334" y="4169510"/>
+            <a:ext cx="2607623" cy="400110"/>
           </a:xfrm>
           <a:prstGeom prst="rect">
             <a:avLst/>
@@ -4367,26 +5573,22 @@
           </a:bodyPr>
           <a:lstStyle/>
           <a:p>
-            <a:pPr algn="just"/>
-            <a:r>
-              <a:rPr lang="ru-RU" sz="2800" dirty="0"/>
-              <a:t>В результате проделанной работы при помощи языка программирования </a:t>
-            </a:r>
-            <a:r>
-              <a:rPr lang="en-US" sz="2800" dirty="0"/>
-              <a:t>Python</a:t>
-            </a:r>
-            <a:r>
-              <a:rPr lang="ru-RU" sz="2800" dirty="0"/>
-              <a:t> и библиотеки </a:t>
-            </a:r>
-            <a:r>
-              <a:rPr lang="en-US" sz="2800" dirty="0" err="1"/>
-              <a:t>Pygame</a:t>
-            </a:r>
-            <a:r>
-              <a:rPr lang="ru-RU" sz="2800" dirty="0"/>
-              <a:t>. Была создана игра, транспортной стратегии по перевозке пассажиров. Так же мы научились работать в команде и правильно распределять задачи.</a:t>
+            <a:pPr algn="ctr"/>
+            <a:r>
+              <a:rPr lang="ru-RU" sz="2000" b="0" cap="none" spc="0" dirty="0">
+                <a:ln w="0"/>
+                <a:solidFill>
+                  <a:schemeClr val="tx1"/>
+                </a:solidFill>
+                <a:effectLst>
+                  <a:outerShdw blurRad="38100" dist="19050" dir="2700000" algn="tl" rotWithShape="0">
+                    <a:schemeClr val="dk1">
+                      <a:alpha val="40000"/>
+                    </a:schemeClr>
+                  </a:outerShdw>
+                </a:effectLst>
+              </a:rPr>
+              <a:t>Рисуем точку на карте</a:t>
             </a:r>
           </a:p>
         </p:txBody>
@@ -4394,7 +5596,7 @@
     </p:spTree>
     <p:extLst>
       <p:ext uri="{BB962C8B-B14F-4D97-AF65-F5344CB8AC3E}">
-        <p14:creationId xmlns:p14="http://schemas.microsoft.com/office/powerpoint/2010/main" val="732464087"/>
+        <p14:creationId xmlns:p14="http://schemas.microsoft.com/office/powerpoint/2010/main" val="1687870309"/>
       </p:ext>
     </p:extLst>
   </p:cSld>
